--- a/Modelica_Präsentation_v1.pptx
+++ b/Modelica_Präsentation_v1.pptx
@@ -195,7 +195,7 @@
           <a:p>
             <a:fld id="{41087731-B959-43DD-B7C6-96D9D3E56862}" type="datetimeFigureOut">
               <a:rPr lang="de-DE" smtClean="0"/>
-              <a:t>11.12.2019</a:t>
+              <a:t>16.12.2019</a:t>
             </a:fld>
             <a:endParaRPr lang="de-DE"/>
           </a:p>
@@ -4236,13 +4236,6 @@
               </a:rPr>
               <a:t>Gruppe 5:</a:t>
             </a:r>
-            <a:endParaRPr lang="de-DE" sz="2800" dirty="0">
-              <a:solidFill>
-                <a:prstClr val="black">
-                  <a:tint val="75000"/>
-                </a:prstClr>
-              </a:solidFill>
-            </a:endParaRPr>
           </a:p>
         </p:txBody>
       </p:sp>
@@ -4351,7 +4344,15 @@
             </a:pPr>
             <a:r>
               <a:rPr lang="de-DE" dirty="0" smtClean="0"/>
-              <a:t>Aufteilung des Gesamtaufgabe in:</a:t>
+              <a:t>Aufteilung </a:t>
+            </a:r>
+            <a:r>
+              <a:rPr lang="de-DE" dirty="0" smtClean="0"/>
+              <a:t>der </a:t>
+            </a:r>
+            <a:r>
+              <a:rPr lang="de-DE" dirty="0" smtClean="0"/>
+              <a:t>Gesamtaufgabe in:</a:t>
             </a:r>
           </a:p>
           <a:p>
@@ -4433,7 +4434,15 @@
             <a:pPr marL="1314450" lvl="2" indent="-514350"/>
             <a:r>
               <a:rPr lang="de-DE" dirty="0" smtClean="0"/>
-              <a:t>In Summe 7 Meetings mit jeweils 6-7 Stunden Arbeitszeit</a:t>
+              <a:t>In Summe </a:t>
+            </a:r>
+            <a:r>
+              <a:rPr lang="de-DE" dirty="0" smtClean="0"/>
+              <a:t>9 </a:t>
+            </a:r>
+            <a:r>
+              <a:rPr lang="de-DE" dirty="0" smtClean="0"/>
+              <a:t>Meetings mit jeweils 6-7 Stunden Arbeitszeit</a:t>
             </a:r>
           </a:p>
           <a:p>
@@ -4448,8 +4457,16 @@
           <a:p>
             <a:pPr marL="1314450" lvl="2" indent="-514350"/>
             <a:r>
+              <a:rPr lang="de-DE" dirty="0"/>
+              <a:t>2</a:t>
+            </a:r>
+            <a:r>
               <a:rPr lang="de-DE" dirty="0" smtClean="0"/>
-              <a:t>10-20 Stunden pro Person</a:t>
+              <a:t>0-30 </a:t>
+            </a:r>
+            <a:r>
+              <a:rPr lang="de-DE" dirty="0" smtClean="0"/>
+              <a:t>Stunden pro Person</a:t>
             </a:r>
           </a:p>
           <a:p>
@@ -4467,7 +4484,25 @@
               <a:rPr lang="de-DE" dirty="0" smtClean="0">
                 <a:sym typeface="Wingdings" panose="05000000000000000000" pitchFamily="2" charset="2"/>
               </a:rPr>
-              <a:t>Gesamtaufwand: 50-60 h</a:t>
+              <a:t>Gesamtaufwand: </a:t>
+            </a:r>
+            <a:r>
+              <a:rPr lang="de-DE" dirty="0" smtClean="0">
+                <a:sym typeface="Wingdings" panose="05000000000000000000" pitchFamily="2" charset="2"/>
+              </a:rPr>
+              <a:t>ca. </a:t>
+            </a:r>
+            <a:r>
+              <a:rPr lang="de-DE" dirty="0" smtClean="0">
+                <a:sym typeface="Wingdings" panose="05000000000000000000" pitchFamily="2" charset="2"/>
+              </a:rPr>
+              <a:t>80 </a:t>
+            </a:r>
+            <a:r>
+              <a:rPr lang="de-DE" dirty="0" smtClean="0">
+                <a:sym typeface="Wingdings" panose="05000000000000000000" pitchFamily="2" charset="2"/>
+              </a:rPr>
+              <a:t>h</a:t>
             </a:r>
             <a:endParaRPr lang="de-DE" dirty="0" smtClean="0"/>
           </a:p>
@@ -5245,7 +5280,439 @@
   <p:timing>
     <p:tnLst>
       <p:par>
-        <p:cTn id="1" dur="indefinite" restart="never" nodeType="tmRoot"/>
+        <p:cTn id="1" dur="indefinite" restart="never" nodeType="tmRoot">
+          <p:childTnLst>
+            <p:seq concurrent="1" nextAc="seek">
+              <p:cTn id="2" dur="indefinite" nodeType="mainSeq">
+                <p:childTnLst>
+                  <p:par>
+                    <p:cTn id="3" fill="hold">
+                      <p:stCondLst>
+                        <p:cond delay="indefinite"/>
+                      </p:stCondLst>
+                      <p:childTnLst>
+                        <p:par>
+                          <p:cTn id="4" fill="hold">
+                            <p:stCondLst>
+                              <p:cond delay="0"/>
+                            </p:stCondLst>
+                            <p:childTnLst>
+                              <p:par>
+                                <p:cTn id="5" presetID="1" presetClass="entr" presetSubtype="0" fill="hold" nodeType="clickEffect">
+                                  <p:stCondLst>
+                                    <p:cond delay="0"/>
+                                  </p:stCondLst>
+                                  <p:childTnLst>
+                                    <p:set>
+                                      <p:cBhvr>
+                                        <p:cTn id="6" dur="1" fill="hold">
+                                          <p:stCondLst>
+                                            <p:cond delay="0"/>
+                                          </p:stCondLst>
+                                        </p:cTn>
+                                        <p:tgtEl>
+                                          <p:spTgt spid="3">
+                                            <p:txEl>
+                                              <p:pRg st="0" end="0"/>
+                                            </p:txEl>
+                                          </p:spTgt>
+                                        </p:tgtEl>
+                                        <p:attrNameLst>
+                                          <p:attrName>style.visibility</p:attrName>
+                                        </p:attrNameLst>
+                                      </p:cBhvr>
+                                      <p:to>
+                                        <p:strVal val="visible"/>
+                                      </p:to>
+                                    </p:set>
+                                  </p:childTnLst>
+                                </p:cTn>
+                              </p:par>
+                              <p:par>
+                                <p:cTn id="7" presetID="1" presetClass="entr" presetSubtype="0" fill="hold" nodeType="withEffect">
+                                  <p:stCondLst>
+                                    <p:cond delay="0"/>
+                                  </p:stCondLst>
+                                  <p:childTnLst>
+                                    <p:set>
+                                      <p:cBhvr>
+                                        <p:cTn id="8" dur="1" fill="hold">
+                                          <p:stCondLst>
+                                            <p:cond delay="0"/>
+                                          </p:stCondLst>
+                                        </p:cTn>
+                                        <p:tgtEl>
+                                          <p:spTgt spid="3">
+                                            <p:txEl>
+                                              <p:pRg st="1" end="1"/>
+                                            </p:txEl>
+                                          </p:spTgt>
+                                        </p:tgtEl>
+                                        <p:attrNameLst>
+                                          <p:attrName>style.visibility</p:attrName>
+                                        </p:attrNameLst>
+                                      </p:cBhvr>
+                                      <p:to>
+                                        <p:strVal val="visible"/>
+                                      </p:to>
+                                    </p:set>
+                                  </p:childTnLst>
+                                </p:cTn>
+                              </p:par>
+                              <p:par>
+                                <p:cTn id="9" presetID="1" presetClass="entr" presetSubtype="0" fill="hold" nodeType="withEffect">
+                                  <p:stCondLst>
+                                    <p:cond delay="0"/>
+                                  </p:stCondLst>
+                                  <p:childTnLst>
+                                    <p:set>
+                                      <p:cBhvr>
+                                        <p:cTn id="10" dur="1" fill="hold">
+                                          <p:stCondLst>
+                                            <p:cond delay="0"/>
+                                          </p:stCondLst>
+                                        </p:cTn>
+                                        <p:tgtEl>
+                                          <p:spTgt spid="3">
+                                            <p:txEl>
+                                              <p:pRg st="2" end="2"/>
+                                            </p:txEl>
+                                          </p:spTgt>
+                                        </p:tgtEl>
+                                        <p:attrNameLst>
+                                          <p:attrName>style.visibility</p:attrName>
+                                        </p:attrNameLst>
+                                      </p:cBhvr>
+                                      <p:to>
+                                        <p:strVal val="visible"/>
+                                      </p:to>
+                                    </p:set>
+                                  </p:childTnLst>
+                                </p:cTn>
+                              </p:par>
+                              <p:par>
+                                <p:cTn id="11" presetID="1" presetClass="entr" presetSubtype="0" fill="hold" nodeType="withEffect">
+                                  <p:stCondLst>
+                                    <p:cond delay="0"/>
+                                  </p:stCondLst>
+                                  <p:childTnLst>
+                                    <p:set>
+                                      <p:cBhvr>
+                                        <p:cTn id="12" dur="1" fill="hold">
+                                          <p:stCondLst>
+                                            <p:cond delay="0"/>
+                                          </p:stCondLst>
+                                        </p:cTn>
+                                        <p:tgtEl>
+                                          <p:spTgt spid="3">
+                                            <p:txEl>
+                                              <p:pRg st="3" end="3"/>
+                                            </p:txEl>
+                                          </p:spTgt>
+                                        </p:tgtEl>
+                                        <p:attrNameLst>
+                                          <p:attrName>style.visibility</p:attrName>
+                                        </p:attrNameLst>
+                                      </p:cBhvr>
+                                      <p:to>
+                                        <p:strVal val="visible"/>
+                                      </p:to>
+                                    </p:set>
+                                  </p:childTnLst>
+                                </p:cTn>
+                              </p:par>
+                            </p:childTnLst>
+                          </p:cTn>
+                        </p:par>
+                      </p:childTnLst>
+                    </p:cTn>
+                  </p:par>
+                  <p:par>
+                    <p:cTn id="13" fill="hold">
+                      <p:stCondLst>
+                        <p:cond delay="indefinite"/>
+                      </p:stCondLst>
+                      <p:childTnLst>
+                        <p:par>
+                          <p:cTn id="14" fill="hold">
+                            <p:stCondLst>
+                              <p:cond delay="0"/>
+                            </p:stCondLst>
+                            <p:childTnLst>
+                              <p:par>
+                                <p:cTn id="15" presetID="1" presetClass="entr" presetSubtype="0" fill="hold" nodeType="clickEffect">
+                                  <p:stCondLst>
+                                    <p:cond delay="0"/>
+                                  </p:stCondLst>
+                                  <p:childTnLst>
+                                    <p:set>
+                                      <p:cBhvr>
+                                        <p:cTn id="16" dur="1" fill="hold">
+                                          <p:stCondLst>
+                                            <p:cond delay="0"/>
+                                          </p:stCondLst>
+                                        </p:cTn>
+                                        <p:tgtEl>
+                                          <p:spTgt spid="3">
+                                            <p:txEl>
+                                              <p:pRg st="5" end="5"/>
+                                            </p:txEl>
+                                          </p:spTgt>
+                                        </p:tgtEl>
+                                        <p:attrNameLst>
+                                          <p:attrName>style.visibility</p:attrName>
+                                        </p:attrNameLst>
+                                      </p:cBhvr>
+                                      <p:to>
+                                        <p:strVal val="visible"/>
+                                      </p:to>
+                                    </p:set>
+                                  </p:childTnLst>
+                                </p:cTn>
+                              </p:par>
+                              <p:par>
+                                <p:cTn id="17" presetID="1" presetClass="entr" presetSubtype="0" fill="hold" nodeType="withEffect">
+                                  <p:stCondLst>
+                                    <p:cond delay="0"/>
+                                  </p:stCondLst>
+                                  <p:childTnLst>
+                                    <p:set>
+                                      <p:cBhvr>
+                                        <p:cTn id="18" dur="1" fill="hold">
+                                          <p:stCondLst>
+                                            <p:cond delay="0"/>
+                                          </p:stCondLst>
+                                        </p:cTn>
+                                        <p:tgtEl>
+                                          <p:spTgt spid="3">
+                                            <p:txEl>
+                                              <p:pRg st="6" end="6"/>
+                                            </p:txEl>
+                                          </p:spTgt>
+                                        </p:tgtEl>
+                                        <p:attrNameLst>
+                                          <p:attrName>style.visibility</p:attrName>
+                                        </p:attrNameLst>
+                                      </p:cBhvr>
+                                      <p:to>
+                                        <p:strVal val="visible"/>
+                                      </p:to>
+                                    </p:set>
+                                  </p:childTnLst>
+                                </p:cTn>
+                              </p:par>
+                              <p:par>
+                                <p:cTn id="19" presetID="1" presetClass="entr" presetSubtype="0" fill="hold" nodeType="withEffect">
+                                  <p:stCondLst>
+                                    <p:cond delay="0"/>
+                                  </p:stCondLst>
+                                  <p:childTnLst>
+                                    <p:set>
+                                      <p:cBhvr>
+                                        <p:cTn id="20" dur="1" fill="hold">
+                                          <p:stCondLst>
+                                            <p:cond delay="0"/>
+                                          </p:stCondLst>
+                                        </p:cTn>
+                                        <p:tgtEl>
+                                          <p:spTgt spid="3">
+                                            <p:txEl>
+                                              <p:pRg st="7" end="7"/>
+                                            </p:txEl>
+                                          </p:spTgt>
+                                        </p:tgtEl>
+                                        <p:attrNameLst>
+                                          <p:attrName>style.visibility</p:attrName>
+                                        </p:attrNameLst>
+                                      </p:cBhvr>
+                                      <p:to>
+                                        <p:strVal val="visible"/>
+                                      </p:to>
+                                    </p:set>
+                                  </p:childTnLst>
+                                </p:cTn>
+                              </p:par>
+                              <p:par>
+                                <p:cTn id="21" presetID="1" presetClass="entr" presetSubtype="0" fill="hold" nodeType="withEffect">
+                                  <p:stCondLst>
+                                    <p:cond delay="0"/>
+                                  </p:stCondLst>
+                                  <p:childTnLst>
+                                    <p:set>
+                                      <p:cBhvr>
+                                        <p:cTn id="22" dur="1" fill="hold">
+                                          <p:stCondLst>
+                                            <p:cond delay="0"/>
+                                          </p:stCondLst>
+                                        </p:cTn>
+                                        <p:tgtEl>
+                                          <p:spTgt spid="3">
+                                            <p:txEl>
+                                              <p:pRg st="8" end="8"/>
+                                            </p:txEl>
+                                          </p:spTgt>
+                                        </p:tgtEl>
+                                        <p:attrNameLst>
+                                          <p:attrName>style.visibility</p:attrName>
+                                        </p:attrNameLst>
+                                      </p:cBhvr>
+                                      <p:to>
+                                        <p:strVal val="visible"/>
+                                      </p:to>
+                                    </p:set>
+                                  </p:childTnLst>
+                                </p:cTn>
+                              </p:par>
+                              <p:par>
+                                <p:cTn id="23" presetID="1" presetClass="entr" presetSubtype="0" fill="hold" nodeType="withEffect">
+                                  <p:stCondLst>
+                                    <p:cond delay="0"/>
+                                  </p:stCondLst>
+                                  <p:childTnLst>
+                                    <p:set>
+                                      <p:cBhvr>
+                                        <p:cTn id="24" dur="1" fill="hold">
+                                          <p:stCondLst>
+                                            <p:cond delay="0"/>
+                                          </p:stCondLst>
+                                        </p:cTn>
+                                        <p:tgtEl>
+                                          <p:spTgt spid="3">
+                                            <p:txEl>
+                                              <p:pRg st="9" end="9"/>
+                                            </p:txEl>
+                                          </p:spTgt>
+                                        </p:tgtEl>
+                                        <p:attrNameLst>
+                                          <p:attrName>style.visibility</p:attrName>
+                                        </p:attrNameLst>
+                                      </p:cBhvr>
+                                      <p:to>
+                                        <p:strVal val="visible"/>
+                                      </p:to>
+                                    </p:set>
+                                  </p:childTnLst>
+                                </p:cTn>
+                              </p:par>
+                            </p:childTnLst>
+                          </p:cTn>
+                        </p:par>
+                      </p:childTnLst>
+                    </p:cTn>
+                  </p:par>
+                  <p:par>
+                    <p:cTn id="25" fill="hold">
+                      <p:stCondLst>
+                        <p:cond delay="indefinite"/>
+                      </p:stCondLst>
+                      <p:childTnLst>
+                        <p:par>
+                          <p:cTn id="26" fill="hold">
+                            <p:stCondLst>
+                              <p:cond delay="0"/>
+                            </p:stCondLst>
+                            <p:childTnLst>
+                              <p:par>
+                                <p:cTn id="27" presetID="1" presetClass="entr" presetSubtype="0" fill="hold" nodeType="clickEffect">
+                                  <p:stCondLst>
+                                    <p:cond delay="0"/>
+                                  </p:stCondLst>
+                                  <p:childTnLst>
+                                    <p:set>
+                                      <p:cBhvr>
+                                        <p:cTn id="28" dur="1" fill="hold">
+                                          <p:stCondLst>
+                                            <p:cond delay="0"/>
+                                          </p:stCondLst>
+                                        </p:cTn>
+                                        <p:tgtEl>
+                                          <p:spTgt spid="3">
+                                            <p:txEl>
+                                              <p:pRg st="11" end="11"/>
+                                            </p:txEl>
+                                          </p:spTgt>
+                                        </p:tgtEl>
+                                        <p:attrNameLst>
+                                          <p:attrName>style.visibility</p:attrName>
+                                        </p:attrNameLst>
+                                      </p:cBhvr>
+                                      <p:to>
+                                        <p:strVal val="visible"/>
+                                      </p:to>
+                                    </p:set>
+                                  </p:childTnLst>
+                                </p:cTn>
+                              </p:par>
+                            </p:childTnLst>
+                          </p:cTn>
+                        </p:par>
+                      </p:childTnLst>
+                    </p:cTn>
+                  </p:par>
+                  <p:par>
+                    <p:cTn id="29" fill="hold">
+                      <p:stCondLst>
+                        <p:cond delay="indefinite"/>
+                      </p:stCondLst>
+                      <p:childTnLst>
+                        <p:par>
+                          <p:cTn id="30" fill="hold">
+                            <p:stCondLst>
+                              <p:cond delay="0"/>
+                            </p:stCondLst>
+                            <p:childTnLst>
+                              <p:par>
+                                <p:cTn id="31" presetID="1" presetClass="entr" presetSubtype="0" fill="hold" nodeType="clickEffect">
+                                  <p:stCondLst>
+                                    <p:cond delay="0"/>
+                                  </p:stCondLst>
+                                  <p:childTnLst>
+                                    <p:set>
+                                      <p:cBhvr>
+                                        <p:cTn id="32" dur="1" fill="hold">
+                                          <p:stCondLst>
+                                            <p:cond delay="0"/>
+                                          </p:stCondLst>
+                                        </p:cTn>
+                                        <p:tgtEl>
+                                          <p:spTgt spid="17"/>
+                                        </p:tgtEl>
+                                        <p:attrNameLst>
+                                          <p:attrName>style.visibility</p:attrName>
+                                        </p:attrNameLst>
+                                      </p:cBhvr>
+                                      <p:to>
+                                        <p:strVal val="visible"/>
+                                      </p:to>
+                                    </p:set>
+                                  </p:childTnLst>
+                                </p:cTn>
+                              </p:par>
+                            </p:childTnLst>
+                          </p:cTn>
+                        </p:par>
+                      </p:childTnLst>
+                    </p:cTn>
+                  </p:par>
+                </p:childTnLst>
+              </p:cTn>
+              <p:prevCondLst>
+                <p:cond evt="onPrev" delay="0">
+                  <p:tgtEl>
+                    <p:sldTgt/>
+                  </p:tgtEl>
+                </p:cond>
+              </p:prevCondLst>
+              <p:nextCondLst>
+                <p:cond evt="onNext" delay="0">
+                  <p:tgtEl>
+                    <p:sldTgt/>
+                  </p:tgtEl>
+                </p:cond>
+              </p:nextCondLst>
+            </p:seq>
+          </p:childTnLst>
+        </p:cTn>
       </p:par>
     </p:tnLst>
   </p:timing>
@@ -11195,7 +11662,7 @@
 </file>
 
 <file path=ppt/slides/slide4.xml><?xml version="1.0" encoding="utf-8"?>
-<p:sld xmlns:a="http://schemas.openxmlformats.org/drawingml/2006/main" xmlns:r="http://schemas.openxmlformats.org/officeDocument/2006/relationships" xmlns:p="http://schemas.openxmlformats.org/presentationml/2006/main">
+<p:sld xmlns:a="http://schemas.openxmlformats.org/drawingml/2006/main" xmlns:r="http://schemas.openxmlformats.org/officeDocument/2006/relationships" xmlns:p="http://schemas.openxmlformats.org/presentationml/2006/main" show="0">
   <p:cSld>
     <p:spTree>
       <p:nvGrpSpPr>
@@ -11261,7 +11728,7 @@
         </p:blipFill>
         <p:spPr bwMode="auto">
           <a:xfrm>
-            <a:off x="457200" y="1630045"/>
+            <a:off x="395536" y="1628800"/>
             <a:ext cx="8229600" cy="4466272"/>
           </a:xfrm>
           <a:prstGeom prst="rect">
@@ -11371,6 +11838,14 @@
   <p:clrMapOvr>
     <a:masterClrMapping/>
   </p:clrMapOvr>
+  <mc:AlternateContent xmlns:mc="http://schemas.openxmlformats.org/markup-compatibility/2006">
+    <mc:Choice xmlns:p14="http://schemas.microsoft.com/office/powerpoint/2010/main" Requires="p14">
+      <p:transition spd="slow" p14:dur="2000"/>
+    </mc:Choice>
+    <mc:Fallback>
+      <p:transition spd="slow"/>
+    </mc:Fallback>
+  </mc:AlternateContent>
   <p:timing>
     <p:tnLst>
       <p:par>

--- a/Modelica_Präsentation_v1.pptx
+++ b/Modelica_Präsentation_v1.pptx
@@ -4344,15 +4344,7 @@
             </a:pPr>
             <a:r>
               <a:rPr lang="de-DE" dirty="0" smtClean="0"/>
-              <a:t>Aufteilung </a:t>
-            </a:r>
-            <a:r>
-              <a:rPr lang="de-DE" dirty="0" smtClean="0"/>
-              <a:t>der </a:t>
-            </a:r>
-            <a:r>
-              <a:rPr lang="de-DE" dirty="0" smtClean="0"/>
-              <a:t>Gesamtaufgabe in:</a:t>
+              <a:t>Aufteilung der Gesamtaufgabe in:</a:t>
             </a:r>
           </a:p>
           <a:p>
@@ -4434,15 +4426,7 @@
             <a:pPr marL="1314450" lvl="2" indent="-514350"/>
             <a:r>
               <a:rPr lang="de-DE" dirty="0" smtClean="0"/>
-              <a:t>In Summe </a:t>
-            </a:r>
-            <a:r>
-              <a:rPr lang="de-DE" dirty="0" smtClean="0"/>
-              <a:t>9 </a:t>
-            </a:r>
-            <a:r>
-              <a:rPr lang="de-DE" dirty="0" smtClean="0"/>
-              <a:t>Meetings mit jeweils 6-7 Stunden Arbeitszeit</a:t>
+              <a:t>In Summe 9 Meetings mit jeweils 6-7 Stunden Arbeitszeit</a:t>
             </a:r>
           </a:p>
           <a:p>
@@ -4462,11 +4446,7 @@
             </a:r>
             <a:r>
               <a:rPr lang="de-DE" dirty="0" smtClean="0"/>
-              <a:t>0-30 </a:t>
-            </a:r>
-            <a:r>
-              <a:rPr lang="de-DE" dirty="0" smtClean="0"/>
-              <a:t>Stunden pro Person</a:t>
+              <a:t>0-30 Stunden pro Person</a:t>
             </a:r>
           </a:p>
           <a:p>
@@ -4484,25 +4464,7 @@
               <a:rPr lang="de-DE" dirty="0" smtClean="0">
                 <a:sym typeface="Wingdings" panose="05000000000000000000" pitchFamily="2" charset="2"/>
               </a:rPr>
-              <a:t>Gesamtaufwand: </a:t>
-            </a:r>
-            <a:r>
-              <a:rPr lang="de-DE" dirty="0" smtClean="0">
-                <a:sym typeface="Wingdings" panose="05000000000000000000" pitchFamily="2" charset="2"/>
-              </a:rPr>
-              <a:t>ca. </a:t>
-            </a:r>
-            <a:r>
-              <a:rPr lang="de-DE" dirty="0" smtClean="0">
-                <a:sym typeface="Wingdings" panose="05000000000000000000" pitchFamily="2" charset="2"/>
-              </a:rPr>
-              <a:t>80 </a:t>
-            </a:r>
-            <a:r>
-              <a:rPr lang="de-DE" dirty="0" smtClean="0">
-                <a:sym typeface="Wingdings" panose="05000000000000000000" pitchFamily="2" charset="2"/>
-              </a:rPr>
-              <a:t>h</a:t>
+              <a:t>Gesamtaufwand: ca. 80 h</a:t>
             </a:r>
             <a:endParaRPr lang="de-DE" dirty="0" smtClean="0"/>
           </a:p>
@@ -11828,6 +11790,32 @@
           </a:p>
         </p:txBody>
       </p:sp>
+      <p:sp>
+        <p:nvSpPr>
+          <p:cNvPr id="3" name="Textfeld 2"/>
+          <p:cNvSpPr txBox="1"/>
+          <p:nvPr/>
+        </p:nvSpPr>
+        <p:spPr>
+          <a:xfrm>
+            <a:off x="899592" y="1052736"/>
+            <a:ext cx="184731" cy="369332"/>
+          </a:xfrm>
+          <a:prstGeom prst="rect">
+            <a:avLst/>
+          </a:prstGeom>
+          <a:noFill/>
+        </p:spPr>
+        <p:txBody>
+          <a:bodyPr wrap="none" rtlCol="0">
+            <a:spAutoFit/>
+          </a:bodyPr>
+          <a:lstStyle/>
+          <a:p>
+            <a:endParaRPr lang="de-DE" dirty="0"/>
+          </a:p>
+        </p:txBody>
+      </p:sp>
     </p:spTree>
     <p:extLst>
       <p:ext uri="{BB962C8B-B14F-4D97-AF65-F5344CB8AC3E}">
@@ -11838,11 +11826,11 @@
   <p:clrMapOvr>
     <a:masterClrMapping/>
   </p:clrMapOvr>
-  <mc:AlternateContent xmlns:mc="http://schemas.openxmlformats.org/markup-compatibility/2006">
-    <mc:Choice xmlns:p14="http://schemas.microsoft.com/office/powerpoint/2010/main" Requires="p14">
+  <mc:AlternateContent xmlns:mc="http://schemas.openxmlformats.org/markup-compatibility/2006" xmlns:p14="http://schemas.microsoft.com/office/powerpoint/2010/main">
+    <mc:Choice Requires="p14">
       <p:transition spd="slow" p14:dur="2000"/>
     </mc:Choice>
-    <mc:Fallback>
+    <mc:Fallback xmlns="">
       <p:transition spd="slow"/>
     </mc:Fallback>
   </mc:AlternateContent>

--- a/Modelica_Präsentation_v1.pptx
+++ b/Modelica_Präsentation_v1.pptx
@@ -5,13 +5,15 @@
     <p:sldMasterId id="2147483648" r:id="rId1"/>
   </p:sldMasterIdLst>
   <p:notesMasterIdLst>
-    <p:notesMasterId r:id="rId6"/>
+    <p:notesMasterId r:id="rId8"/>
   </p:notesMasterIdLst>
   <p:sldIdLst>
     <p:sldId id="256" r:id="rId2"/>
     <p:sldId id="257" r:id="rId3"/>
-    <p:sldId id="258" r:id="rId4"/>
+    <p:sldId id="260" r:id="rId4"/>
     <p:sldId id="259" r:id="rId5"/>
+    <p:sldId id="258" r:id="rId6"/>
+    <p:sldId id="261" r:id="rId7"/>
   </p:sldIdLst>
   <p:sldSz cx="9144000" cy="6858000" type="screen4x3"/>
   <p:notesSz cx="6858000" cy="9144000"/>
@@ -195,7 +197,7 @@
           <a:p>
             <a:fld id="{41087731-B959-43DD-B7C6-96D9D3E56862}" type="datetimeFigureOut">
               <a:rPr lang="de-DE" smtClean="0"/>
-              <a:t>16.12.2019</a:t>
+              <a:t>17.12.2019</a:t>
             </a:fld>
             <a:endParaRPr lang="de-DE"/>
           </a:p>
@@ -4426,7 +4428,15 @@
             <a:pPr marL="1314450" lvl="2" indent="-514350"/>
             <a:r>
               <a:rPr lang="de-DE" dirty="0" smtClean="0"/>
-              <a:t>In Summe 9 Meetings mit jeweils 6-7 Stunden Arbeitszeit</a:t>
+              <a:t>In Summe 9 Meetings mit jeweils </a:t>
+            </a:r>
+            <a:r>
+              <a:rPr lang="de-DE" dirty="0" smtClean="0"/>
+              <a:t>5-7 </a:t>
+            </a:r>
+            <a:r>
+              <a:rPr lang="de-DE" dirty="0" smtClean="0"/>
+              <a:t>Stunden Arbeitszeit</a:t>
             </a:r>
           </a:p>
           <a:p>
@@ -5716,6 +5726,669 @@
           <a:lstStyle/>
           <a:p>
             <a:r>
+              <a:rPr lang="de-DE" sz="3600" dirty="0" smtClean="0"/>
+              <a:t>Getroffenen Vereinfachungen </a:t>
+            </a:r>
+            <a:br>
+              <a:rPr lang="de-DE" sz="3600" dirty="0" smtClean="0"/>
+            </a:br>
+            <a:r>
+              <a:rPr lang="de-DE" sz="3600" dirty="0" smtClean="0"/>
+              <a:t>auf Basis einer Aufwand-Nutzen-Analyse</a:t>
+            </a:r>
+            <a:endParaRPr lang="de-DE" sz="3600" dirty="0"/>
+          </a:p>
+        </p:txBody>
+      </p:sp>
+      <p:sp>
+        <p:nvSpPr>
+          <p:cNvPr id="3" name="Inhaltsplatzhalter 2"/>
+          <p:cNvSpPr>
+            <a:spLocks noGrp="1"/>
+          </p:cNvSpPr>
+          <p:nvPr>
+            <p:ph idx="1"/>
+          </p:nvPr>
+        </p:nvSpPr>
+        <p:spPr>
+          <a:xfrm>
+            <a:off x="457200" y="1600200"/>
+            <a:ext cx="8219256" cy="4525963"/>
+          </a:xfrm>
+        </p:spPr>
+        <p:txBody>
+          <a:bodyPr/>
+          <a:lstStyle/>
+          <a:p>
+            <a:r>
+              <a:rPr lang="de-DE" b="1" dirty="0" smtClean="0"/>
+              <a:t>Seildehnung</a:t>
+            </a:r>
+            <a:r>
+              <a:rPr lang="de-DE" dirty="0" smtClean="0"/>
+              <a:t> nicht berücksichtigt</a:t>
+            </a:r>
+          </a:p>
+          <a:p>
+            <a:r>
+              <a:rPr lang="de-DE" b="1" dirty="0" smtClean="0"/>
+              <a:t>Reibung</a:t>
+            </a:r>
+            <a:r>
+              <a:rPr lang="de-DE" dirty="0" smtClean="0"/>
+              <a:t> in Rollenlagern und zwischen Seil und Rolle vernachlässigt</a:t>
+            </a:r>
+          </a:p>
+          <a:p>
+            <a:r>
+              <a:rPr lang="de-DE" b="1" dirty="0" smtClean="0"/>
+              <a:t>Drehzahlregelung</a:t>
+            </a:r>
+            <a:r>
+              <a:rPr lang="de-DE" dirty="0" smtClean="0"/>
+              <a:t> und </a:t>
+            </a:r>
+            <a:r>
+              <a:rPr lang="de-DE" b="1" dirty="0" smtClean="0"/>
+              <a:t>Strombegrenzung</a:t>
+            </a:r>
+            <a:r>
+              <a:rPr lang="de-DE" dirty="0" smtClean="0"/>
+              <a:t> des Motors weggelassen</a:t>
+            </a:r>
+          </a:p>
+          <a:p>
+            <a:r>
+              <a:rPr lang="de-DE" dirty="0" smtClean="0"/>
+              <a:t>Manuelle </a:t>
+            </a:r>
+            <a:r>
+              <a:rPr lang="de-DE" b="1" dirty="0" smtClean="0"/>
+              <a:t>Drehrichtungsänderung</a:t>
+            </a:r>
+            <a:r>
+              <a:rPr lang="de-DE" dirty="0" smtClean="0"/>
+              <a:t> während der Simulation nicht möglich</a:t>
+            </a:r>
+          </a:p>
+          <a:p>
+            <a:endParaRPr lang="de-DE" dirty="0" smtClean="0"/>
+          </a:p>
+          <a:p>
+            <a:endParaRPr lang="de-DE" dirty="0" smtClean="0"/>
+          </a:p>
+          <a:p>
+            <a:endParaRPr lang="de-DE" dirty="0" smtClean="0"/>
+          </a:p>
+          <a:p>
+            <a:endParaRPr lang="de-DE" dirty="0"/>
+          </a:p>
+        </p:txBody>
+      </p:sp>
+      <p:sp>
+        <p:nvSpPr>
+          <p:cNvPr id="4" name="Datumsplatzhalter 3"/>
+          <p:cNvSpPr>
+            <a:spLocks noGrp="1"/>
+          </p:cNvSpPr>
+          <p:nvPr>
+            <p:ph type="dt" sz="half" idx="10"/>
+          </p:nvPr>
+        </p:nvSpPr>
+        <p:spPr/>
+        <p:txBody>
+          <a:bodyPr/>
+          <a:lstStyle/>
+          <a:p>
+            <a:r>
+              <a:rPr lang="de-DE" smtClean="0"/>
+              <a:t>19.12.2019</a:t>
+            </a:r>
+            <a:endParaRPr lang="de-DE"/>
+          </a:p>
+        </p:txBody>
+      </p:sp>
+      <p:sp>
+        <p:nvSpPr>
+          <p:cNvPr id="5" name="Fußzeilenplatzhalter 4"/>
+          <p:cNvSpPr>
+            <a:spLocks noGrp="1"/>
+          </p:cNvSpPr>
+          <p:nvPr>
+            <p:ph type="ftr" sz="quarter" idx="11"/>
+          </p:nvPr>
+        </p:nvSpPr>
+        <p:spPr/>
+        <p:txBody>
+          <a:bodyPr/>
+          <a:lstStyle/>
+          <a:p>
+            <a:r>
+              <a:rPr lang="de-DE" smtClean="0"/>
+              <a:t>Modelica Gruppe 5 - Kunert, Mahl, Nitsche-Pflumm, Zundel</a:t>
+            </a:r>
+            <a:endParaRPr lang="de-DE" dirty="0"/>
+          </a:p>
+        </p:txBody>
+      </p:sp>
+      <p:sp>
+        <p:nvSpPr>
+          <p:cNvPr id="6" name="Foliennummernplatzhalter 5"/>
+          <p:cNvSpPr>
+            <a:spLocks noGrp="1"/>
+          </p:cNvSpPr>
+          <p:nvPr>
+            <p:ph type="sldNum" sz="quarter" idx="12"/>
+          </p:nvPr>
+        </p:nvSpPr>
+        <p:spPr/>
+        <p:txBody>
+          <a:bodyPr/>
+          <a:lstStyle/>
+          <a:p>
+            <a:fld id="{6C6AE60A-B69C-4790-82F7-3882EDF23186}" type="slidenum">
+              <a:rPr lang="de-DE" smtClean="0"/>
+              <a:t>3</a:t>
+            </a:fld>
+            <a:endParaRPr lang="de-DE" dirty="0"/>
+          </a:p>
+        </p:txBody>
+      </p:sp>
+    </p:spTree>
+    <p:extLst>
+      <p:ext uri="{BB962C8B-B14F-4D97-AF65-F5344CB8AC3E}">
+        <p14:creationId xmlns:p14="http://schemas.microsoft.com/office/powerpoint/2010/main" val="3341759999"/>
+      </p:ext>
+    </p:extLst>
+  </p:cSld>
+  <p:clrMapOvr>
+    <a:masterClrMapping/>
+  </p:clrMapOvr>
+  <p:timing>
+    <p:tnLst>
+      <p:par>
+        <p:cTn id="1" dur="indefinite" restart="never" nodeType="tmRoot">
+          <p:childTnLst>
+            <p:seq concurrent="1" nextAc="seek">
+              <p:cTn id="2" dur="indefinite" nodeType="mainSeq">
+                <p:childTnLst>
+                  <p:par>
+                    <p:cTn id="3" fill="hold">
+                      <p:stCondLst>
+                        <p:cond delay="indefinite"/>
+                      </p:stCondLst>
+                      <p:childTnLst>
+                        <p:par>
+                          <p:cTn id="4" fill="hold">
+                            <p:stCondLst>
+                              <p:cond delay="0"/>
+                            </p:stCondLst>
+                            <p:childTnLst>
+                              <p:par>
+                                <p:cTn id="5" presetID="1" presetClass="entr" presetSubtype="0" fill="hold" nodeType="clickEffect">
+                                  <p:stCondLst>
+                                    <p:cond delay="0"/>
+                                  </p:stCondLst>
+                                  <p:childTnLst>
+                                    <p:set>
+                                      <p:cBhvr>
+                                        <p:cTn id="6" dur="1" fill="hold">
+                                          <p:stCondLst>
+                                            <p:cond delay="0"/>
+                                          </p:stCondLst>
+                                        </p:cTn>
+                                        <p:tgtEl>
+                                          <p:spTgt spid="3">
+                                            <p:txEl>
+                                              <p:pRg st="0" end="0"/>
+                                            </p:txEl>
+                                          </p:spTgt>
+                                        </p:tgtEl>
+                                        <p:attrNameLst>
+                                          <p:attrName>style.visibility</p:attrName>
+                                        </p:attrNameLst>
+                                      </p:cBhvr>
+                                      <p:to>
+                                        <p:strVal val="visible"/>
+                                      </p:to>
+                                    </p:set>
+                                  </p:childTnLst>
+                                </p:cTn>
+                              </p:par>
+                            </p:childTnLst>
+                          </p:cTn>
+                        </p:par>
+                      </p:childTnLst>
+                    </p:cTn>
+                  </p:par>
+                  <p:par>
+                    <p:cTn id="7" fill="hold">
+                      <p:stCondLst>
+                        <p:cond delay="indefinite"/>
+                      </p:stCondLst>
+                      <p:childTnLst>
+                        <p:par>
+                          <p:cTn id="8" fill="hold">
+                            <p:stCondLst>
+                              <p:cond delay="0"/>
+                            </p:stCondLst>
+                            <p:childTnLst>
+                              <p:par>
+                                <p:cTn id="9" presetID="1" presetClass="entr" presetSubtype="0" fill="hold" nodeType="clickEffect">
+                                  <p:stCondLst>
+                                    <p:cond delay="0"/>
+                                  </p:stCondLst>
+                                  <p:childTnLst>
+                                    <p:set>
+                                      <p:cBhvr>
+                                        <p:cTn id="10" dur="1" fill="hold">
+                                          <p:stCondLst>
+                                            <p:cond delay="0"/>
+                                          </p:stCondLst>
+                                        </p:cTn>
+                                        <p:tgtEl>
+                                          <p:spTgt spid="3">
+                                            <p:txEl>
+                                              <p:pRg st="1" end="1"/>
+                                            </p:txEl>
+                                          </p:spTgt>
+                                        </p:tgtEl>
+                                        <p:attrNameLst>
+                                          <p:attrName>style.visibility</p:attrName>
+                                        </p:attrNameLst>
+                                      </p:cBhvr>
+                                      <p:to>
+                                        <p:strVal val="visible"/>
+                                      </p:to>
+                                    </p:set>
+                                  </p:childTnLst>
+                                </p:cTn>
+                              </p:par>
+                            </p:childTnLst>
+                          </p:cTn>
+                        </p:par>
+                      </p:childTnLst>
+                    </p:cTn>
+                  </p:par>
+                  <p:par>
+                    <p:cTn id="11" fill="hold">
+                      <p:stCondLst>
+                        <p:cond delay="indefinite"/>
+                      </p:stCondLst>
+                      <p:childTnLst>
+                        <p:par>
+                          <p:cTn id="12" fill="hold">
+                            <p:stCondLst>
+                              <p:cond delay="0"/>
+                            </p:stCondLst>
+                            <p:childTnLst>
+                              <p:par>
+                                <p:cTn id="13" presetID="1" presetClass="entr" presetSubtype="0" fill="hold" nodeType="clickEffect">
+                                  <p:stCondLst>
+                                    <p:cond delay="0"/>
+                                  </p:stCondLst>
+                                  <p:childTnLst>
+                                    <p:set>
+                                      <p:cBhvr>
+                                        <p:cTn id="14" dur="1" fill="hold">
+                                          <p:stCondLst>
+                                            <p:cond delay="0"/>
+                                          </p:stCondLst>
+                                        </p:cTn>
+                                        <p:tgtEl>
+                                          <p:spTgt spid="3">
+                                            <p:txEl>
+                                              <p:pRg st="2" end="2"/>
+                                            </p:txEl>
+                                          </p:spTgt>
+                                        </p:tgtEl>
+                                        <p:attrNameLst>
+                                          <p:attrName>style.visibility</p:attrName>
+                                        </p:attrNameLst>
+                                      </p:cBhvr>
+                                      <p:to>
+                                        <p:strVal val="visible"/>
+                                      </p:to>
+                                    </p:set>
+                                  </p:childTnLst>
+                                </p:cTn>
+                              </p:par>
+                            </p:childTnLst>
+                          </p:cTn>
+                        </p:par>
+                      </p:childTnLst>
+                    </p:cTn>
+                  </p:par>
+                  <p:par>
+                    <p:cTn id="15" fill="hold">
+                      <p:stCondLst>
+                        <p:cond delay="indefinite"/>
+                      </p:stCondLst>
+                      <p:childTnLst>
+                        <p:par>
+                          <p:cTn id="16" fill="hold">
+                            <p:stCondLst>
+                              <p:cond delay="0"/>
+                            </p:stCondLst>
+                            <p:childTnLst>
+                              <p:par>
+                                <p:cTn id="17" presetID="1" presetClass="entr" presetSubtype="0" fill="hold" nodeType="clickEffect">
+                                  <p:stCondLst>
+                                    <p:cond delay="0"/>
+                                  </p:stCondLst>
+                                  <p:childTnLst>
+                                    <p:set>
+                                      <p:cBhvr>
+                                        <p:cTn id="18" dur="1" fill="hold">
+                                          <p:stCondLst>
+                                            <p:cond delay="0"/>
+                                          </p:stCondLst>
+                                        </p:cTn>
+                                        <p:tgtEl>
+                                          <p:spTgt spid="3">
+                                            <p:txEl>
+                                              <p:pRg st="3" end="3"/>
+                                            </p:txEl>
+                                          </p:spTgt>
+                                        </p:tgtEl>
+                                        <p:attrNameLst>
+                                          <p:attrName>style.visibility</p:attrName>
+                                        </p:attrNameLst>
+                                      </p:cBhvr>
+                                      <p:to>
+                                        <p:strVal val="visible"/>
+                                      </p:to>
+                                    </p:set>
+                                  </p:childTnLst>
+                                </p:cTn>
+                              </p:par>
+                            </p:childTnLst>
+                          </p:cTn>
+                        </p:par>
+                      </p:childTnLst>
+                    </p:cTn>
+                  </p:par>
+                </p:childTnLst>
+              </p:cTn>
+              <p:prevCondLst>
+                <p:cond evt="onPrev" delay="0">
+                  <p:tgtEl>
+                    <p:sldTgt/>
+                  </p:tgtEl>
+                </p:cond>
+              </p:prevCondLst>
+              <p:nextCondLst>
+                <p:cond evt="onNext" delay="0">
+                  <p:tgtEl>
+                    <p:sldTgt/>
+                  </p:tgtEl>
+                </p:cond>
+              </p:nextCondLst>
+            </p:seq>
+          </p:childTnLst>
+        </p:cTn>
+      </p:par>
+    </p:tnLst>
+  </p:timing>
+</p:sld>
+</file>
+
+<file path=ppt/slides/slide4.xml><?xml version="1.0" encoding="utf-8"?>
+<p:sld xmlns:a="http://schemas.openxmlformats.org/drawingml/2006/main" xmlns:r="http://schemas.openxmlformats.org/officeDocument/2006/relationships" xmlns:p="http://schemas.openxmlformats.org/presentationml/2006/main">
+  <p:cSld>
+    <p:spTree>
+      <p:nvGrpSpPr>
+        <p:cNvPr id="1" name=""/>
+        <p:cNvGrpSpPr/>
+        <p:nvPr/>
+      </p:nvGrpSpPr>
+      <p:grpSpPr>
+        <a:xfrm>
+          <a:off x="0" y="0"/>
+          <a:ext cx="0" cy="0"/>
+          <a:chOff x="0" y="0"/>
+          <a:chExt cx="0" cy="0"/>
+        </a:xfrm>
+      </p:grpSpPr>
+      <p:sp>
+        <p:nvSpPr>
+          <p:cNvPr id="2" name="Titel 1"/>
+          <p:cNvSpPr>
+            <a:spLocks noGrp="1"/>
+          </p:cNvSpPr>
+          <p:nvPr>
+            <p:ph type="title"/>
+          </p:nvPr>
+        </p:nvSpPr>
+        <p:spPr/>
+        <p:txBody>
+          <a:bodyPr>
+            <a:normAutofit/>
+          </a:bodyPr>
+          <a:lstStyle/>
+          <a:p>
+            <a:r>
+              <a:rPr lang="de-DE" dirty="0" smtClean="0"/>
+              <a:t>Vorstellung der Bibliothek</a:t>
+            </a:r>
+            <a:endParaRPr lang="de-DE" dirty="0"/>
+          </a:p>
+        </p:txBody>
+      </p:sp>
+      <p:sp>
+        <p:nvSpPr>
+          <p:cNvPr id="4" name="Datumsplatzhalter 3"/>
+          <p:cNvSpPr>
+            <a:spLocks noGrp="1"/>
+          </p:cNvSpPr>
+          <p:nvPr>
+            <p:ph type="dt" sz="half" idx="10"/>
+          </p:nvPr>
+        </p:nvSpPr>
+        <p:spPr/>
+        <p:txBody>
+          <a:bodyPr/>
+          <a:lstStyle/>
+          <a:p>
+            <a:r>
+              <a:rPr lang="de-DE" smtClean="0"/>
+              <a:t>19.12.2019</a:t>
+            </a:r>
+            <a:endParaRPr lang="de-DE"/>
+          </a:p>
+        </p:txBody>
+      </p:sp>
+      <p:sp>
+        <p:nvSpPr>
+          <p:cNvPr id="5" name="Fußzeilenplatzhalter 4"/>
+          <p:cNvSpPr>
+            <a:spLocks noGrp="1"/>
+          </p:cNvSpPr>
+          <p:nvPr>
+            <p:ph type="ftr" sz="quarter" idx="11"/>
+          </p:nvPr>
+        </p:nvSpPr>
+        <p:spPr/>
+        <p:txBody>
+          <a:bodyPr/>
+          <a:lstStyle/>
+          <a:p>
+            <a:r>
+              <a:rPr lang="de-DE" smtClean="0"/>
+              <a:t>Modelica Gruppe 5 - Kunert, Mahl, Nitsche-Pflumm, Zundel</a:t>
+            </a:r>
+            <a:endParaRPr lang="de-DE"/>
+          </a:p>
+        </p:txBody>
+      </p:sp>
+      <p:sp>
+        <p:nvSpPr>
+          <p:cNvPr id="6" name="Foliennummernplatzhalter 5"/>
+          <p:cNvSpPr>
+            <a:spLocks noGrp="1"/>
+          </p:cNvSpPr>
+          <p:nvPr>
+            <p:ph type="sldNum" sz="quarter" idx="12"/>
+          </p:nvPr>
+        </p:nvSpPr>
+        <p:spPr/>
+        <p:txBody>
+          <a:bodyPr/>
+          <a:lstStyle/>
+          <a:p>
+            <a:fld id="{6C6AE60A-B69C-4790-82F7-3882EDF23186}" type="slidenum">
+              <a:rPr lang="de-DE" smtClean="0"/>
+              <a:t>4</a:t>
+            </a:fld>
+            <a:endParaRPr lang="de-DE"/>
+          </a:p>
+        </p:txBody>
+      </p:sp>
+      <p:sp>
+        <p:nvSpPr>
+          <p:cNvPr id="3" name="Textfeld 2"/>
+          <p:cNvSpPr txBox="1"/>
+          <p:nvPr/>
+        </p:nvSpPr>
+        <p:spPr>
+          <a:xfrm>
+            <a:off x="899592" y="1052736"/>
+            <a:ext cx="184731" cy="369332"/>
+          </a:xfrm>
+          <a:prstGeom prst="rect">
+            <a:avLst/>
+          </a:prstGeom>
+          <a:noFill/>
+        </p:spPr>
+        <p:txBody>
+          <a:bodyPr wrap="none" rtlCol="0">
+            <a:spAutoFit/>
+          </a:bodyPr>
+          <a:lstStyle/>
+          <a:p>
+            <a:endParaRPr lang="de-DE" dirty="0"/>
+          </a:p>
+        </p:txBody>
+      </p:sp>
+      <p:pic>
+        <p:nvPicPr>
+          <p:cNvPr id="1028" name="Picture 4"/>
+          <p:cNvPicPr>
+            <a:picLocks noGrp="1" noChangeAspect="1" noChangeArrowheads="1"/>
+          </p:cNvPicPr>
+          <p:nvPr>
+            <p:ph idx="1"/>
+          </p:nvPr>
+        </p:nvPicPr>
+        <p:blipFill>
+          <a:blip r:embed="rId3">
+            <a:extLst>
+              <a:ext uri="{28A0092B-C50C-407E-A947-70E740481C1C}">
+                <a14:useLocalDpi xmlns:a14="http://schemas.microsoft.com/office/drawing/2010/main" val="0"/>
+              </a:ext>
+            </a:extLst>
+          </a:blip>
+          <a:srcRect/>
+          <a:stretch>
+            <a:fillRect/>
+          </a:stretch>
+        </p:blipFill>
+        <p:spPr bwMode="auto">
+          <a:xfrm>
+            <a:off x="457200" y="1632188"/>
+            <a:ext cx="8229600" cy="4461986"/>
+          </a:xfrm>
+          <a:prstGeom prst="rect">
+            <a:avLst/>
+          </a:prstGeom>
+          <a:noFill/>
+          <a:ln>
+            <a:noFill/>
+          </a:ln>
+          <a:extLst>
+            <a:ext uri="{909E8E84-426E-40DD-AFC4-6F175D3DCCD1}">
+              <a14:hiddenFill xmlns:a14="http://schemas.microsoft.com/office/drawing/2010/main">
+                <a:solidFill>
+                  <a:schemeClr val="accent1"/>
+                </a:solidFill>
+              </a14:hiddenFill>
+            </a:ext>
+            <a:ext uri="{91240B29-F687-4F45-9708-019B960494DF}">
+              <a14:hiddenLine xmlns:a14="http://schemas.microsoft.com/office/drawing/2010/main" w="9525">
+                <a:solidFill>
+                  <a:schemeClr val="tx1"/>
+                </a:solidFill>
+                <a:miter lim="800000"/>
+                <a:headEnd/>
+                <a:tailEnd/>
+              </a14:hiddenLine>
+            </a:ext>
+          </a:extLst>
+        </p:spPr>
+      </p:pic>
+    </p:spTree>
+    <p:extLst>
+      <p:ext uri="{BB962C8B-B14F-4D97-AF65-F5344CB8AC3E}">
+        <p14:creationId xmlns:p14="http://schemas.microsoft.com/office/powerpoint/2010/main" val="605048520"/>
+      </p:ext>
+    </p:extLst>
+  </p:cSld>
+  <p:clrMapOvr>
+    <a:masterClrMapping/>
+  </p:clrMapOvr>
+  <mc:AlternateContent xmlns:mc="http://schemas.openxmlformats.org/markup-compatibility/2006">
+    <mc:Choice xmlns:p14="http://schemas.microsoft.com/office/powerpoint/2010/main" Requires="p14">
+      <p:transition spd="slow" p14:dur="2000"/>
+    </mc:Choice>
+    <mc:Fallback>
+      <p:transition spd="slow"/>
+    </mc:Fallback>
+  </mc:AlternateContent>
+  <p:timing>
+    <p:tnLst>
+      <p:par>
+        <p:cTn id="1" dur="indefinite" restart="never" nodeType="tmRoot"/>
+      </p:par>
+    </p:tnLst>
+  </p:timing>
+</p:sld>
+</file>
+
+<file path=ppt/slides/slide5.xml><?xml version="1.0" encoding="utf-8"?>
+<p:sld xmlns:a="http://schemas.openxmlformats.org/drawingml/2006/main" xmlns:r="http://schemas.openxmlformats.org/officeDocument/2006/relationships" xmlns:p="http://schemas.openxmlformats.org/presentationml/2006/main" show="0">
+  <p:cSld>
+    <p:spTree>
+      <p:nvGrpSpPr>
+        <p:cNvPr id="1" name=""/>
+        <p:cNvGrpSpPr/>
+        <p:nvPr/>
+      </p:nvGrpSpPr>
+      <p:grpSpPr>
+        <a:xfrm>
+          <a:off x="0" y="0"/>
+          <a:ext cx="0" cy="0"/>
+          <a:chOff x="0" y="0"/>
+          <a:chExt cx="0" cy="0"/>
+        </a:xfrm>
+      </p:grpSpPr>
+      <p:sp>
+        <p:nvSpPr>
+          <p:cNvPr id="2" name="Titel 1"/>
+          <p:cNvSpPr>
+            <a:spLocks noGrp="1"/>
+          </p:cNvSpPr>
+          <p:nvPr>
+            <p:ph type="title"/>
+          </p:nvPr>
+        </p:nvSpPr>
+        <p:spPr/>
+        <p:txBody>
+          <a:bodyPr>
+            <a:noAutofit/>
+          </a:bodyPr>
+          <a:lstStyle/>
+          <a:p>
+            <a:r>
               <a:rPr lang="de-DE" sz="3400" dirty="0" smtClean="0"/>
               <a:t>Aufwand-Nutzen-Analyse für Erweiterungen</a:t>
             </a:r>
@@ -11552,7 +12225,7 @@
           <a:p>
             <a:fld id="{6C6AE60A-B69C-4790-82F7-3882EDF23186}" type="slidenum">
               <a:rPr lang="de-DE" smtClean="0"/>
-              <a:t>3</a:t>
+              <a:t>5</a:t>
             </a:fld>
             <a:endParaRPr lang="de-DE"/>
           </a:p>
@@ -11613,6 +12286,14 @@
   <p:clrMapOvr>
     <a:masterClrMapping/>
   </p:clrMapOvr>
+  <mc:AlternateContent xmlns:mc="http://schemas.openxmlformats.org/markup-compatibility/2006">
+    <mc:Choice xmlns:p14="http://schemas.microsoft.com/office/powerpoint/2010/main" Requires="p14">
+      <p:transition spd="slow" p14:dur="2000"/>
+    </mc:Choice>
+    <mc:Fallback>
+      <p:transition spd="slow"/>
+    </mc:Fallback>
+  </mc:AlternateContent>
   <p:timing>
     <p:tnLst>
       <p:par>
@@ -11623,8 +12304,8 @@
 </p:sld>
 </file>
 
-<file path=ppt/slides/slide4.xml><?xml version="1.0" encoding="utf-8"?>
-<p:sld xmlns:a="http://schemas.openxmlformats.org/drawingml/2006/main" xmlns:r="http://schemas.openxmlformats.org/officeDocument/2006/relationships" xmlns:p="http://schemas.openxmlformats.org/presentationml/2006/main" show="0">
+<file path=ppt/slides/slide6.xml><?xml version="1.0" encoding="utf-8"?>
+<p:sld xmlns:a="http://schemas.openxmlformats.org/drawingml/2006/main" xmlns:r="http://schemas.openxmlformats.org/officeDocument/2006/relationships" xmlns:p="http://schemas.openxmlformats.org/presentationml/2006/main">
   <p:cSld>
     <p:spTree>
       <p:nvGrpSpPr>
@@ -11652,75 +12333,56 @@
         </p:nvSpPr>
         <p:spPr/>
         <p:txBody>
-          <a:bodyPr>
-            <a:normAutofit/>
-          </a:bodyPr>
+          <a:bodyPr/>
           <a:lstStyle/>
           <a:p>
             <a:r>
               <a:rPr lang="de-DE" dirty="0" smtClean="0"/>
-              <a:t>Vorstellung der Bibliothek</a:t>
+              <a:t>TO-DO-List</a:t>
             </a:r>
             <a:endParaRPr lang="de-DE" dirty="0"/>
           </a:p>
         </p:txBody>
       </p:sp>
-      <p:pic>
-        <p:nvPicPr>
-          <p:cNvPr id="3074" name="Picture 2"/>
-          <p:cNvPicPr>
-            <a:picLocks noGrp="1" noChangeAspect="1" noChangeArrowheads="1"/>
-          </p:cNvPicPr>
+      <p:sp>
+        <p:nvSpPr>
+          <p:cNvPr id="3" name="Inhaltsplatzhalter 2"/>
+          <p:cNvSpPr>
+            <a:spLocks noGrp="1"/>
+          </p:cNvSpPr>
           <p:nvPr>
             <p:ph idx="1"/>
           </p:nvPr>
-        </p:nvPicPr>
-        <p:blipFill>
-          <a:blip r:embed="rId3">
-            <a:extLst>
-              <a:ext uri="{28A0092B-C50C-407E-A947-70E740481C1C}">
-                <a14:useLocalDpi xmlns:a14="http://schemas.microsoft.com/office/drawing/2010/main" val="0"/>
-              </a:ext>
-            </a:extLst>
-          </a:blip>
-          <a:srcRect/>
-          <a:stretch>
-            <a:fillRect/>
-          </a:stretch>
-        </p:blipFill>
-        <p:spPr bwMode="auto">
-          <a:xfrm>
-            <a:off x="395536" y="1628800"/>
-            <a:ext cx="8229600" cy="4466272"/>
-          </a:xfrm>
-          <a:prstGeom prst="rect">
-            <a:avLst/>
-          </a:prstGeom>
-          <a:noFill/>
-          <a:ln>
-            <a:noFill/>
-          </a:ln>
-          <a:extLst>
-            <a:ext uri="{909E8E84-426E-40DD-AFC4-6F175D3DCCD1}">
-              <a14:hiddenFill xmlns:a14="http://schemas.microsoft.com/office/drawing/2010/main">
-                <a:solidFill>
-                  <a:schemeClr val="accent1"/>
-                </a:solidFill>
-              </a14:hiddenFill>
-            </a:ext>
-            <a:ext uri="{91240B29-F687-4F45-9708-019B960494DF}">
-              <a14:hiddenLine xmlns:a14="http://schemas.microsoft.com/office/drawing/2010/main" w="9525">
-                <a:solidFill>
-                  <a:schemeClr val="tx1"/>
-                </a:solidFill>
-                <a:miter lim="800000"/>
-                <a:headEnd/>
-                <a:tailEnd/>
-              </a14:hiddenLine>
-            </a:ext>
-          </a:extLst>
-        </p:spPr>
-      </p:pic>
+        </p:nvSpPr>
+        <p:spPr/>
+        <p:txBody>
+          <a:bodyPr/>
+          <a:lstStyle/>
+          <a:p>
+            <a:r>
+              <a:rPr lang="de-DE" dirty="0" smtClean="0"/>
+              <a:t>Datenblätter</a:t>
+            </a:r>
+          </a:p>
+          <a:p>
+            <a:r>
+              <a:rPr lang="de-DE" smtClean="0"/>
+              <a:t>Präsentation</a:t>
+            </a:r>
+            <a:r>
+              <a:rPr lang="de-DE" dirty="0" smtClean="0"/>
+              <a:t>: Was im Modell </a:t>
+            </a:r>
+            <a:r>
+              <a:rPr lang="de-DE" smtClean="0"/>
+              <a:t>zeigen?</a:t>
+            </a:r>
+          </a:p>
+          <a:p>
+            <a:endParaRPr lang="de-DE" dirty="0"/>
+          </a:p>
+        </p:txBody>
+      </p:sp>
       <p:sp>
         <p:nvSpPr>
           <p:cNvPr id="4" name="Datumsplatzhalter 3"/>
@@ -11763,7 +12425,7 @@
               <a:rPr lang="de-DE" smtClean="0"/>
               <a:t>Modelica Gruppe 5 - Kunert, Mahl, Nitsche-Pflumm, Zundel</a:t>
             </a:r>
-            <a:endParaRPr lang="de-DE"/>
+            <a:endParaRPr lang="de-DE" dirty="0"/>
           </a:p>
         </p:txBody>
       </p:sp>
@@ -11784,34 +12446,8 @@
           <a:p>
             <a:fld id="{6C6AE60A-B69C-4790-82F7-3882EDF23186}" type="slidenum">
               <a:rPr lang="de-DE" smtClean="0"/>
-              <a:t>4</a:t>
+              <a:t>6</a:t>
             </a:fld>
-            <a:endParaRPr lang="de-DE"/>
-          </a:p>
-        </p:txBody>
-      </p:sp>
-      <p:sp>
-        <p:nvSpPr>
-          <p:cNvPr id="3" name="Textfeld 2"/>
-          <p:cNvSpPr txBox="1"/>
-          <p:nvPr/>
-        </p:nvSpPr>
-        <p:spPr>
-          <a:xfrm>
-            <a:off x="899592" y="1052736"/>
-            <a:ext cx="184731" cy="369332"/>
-          </a:xfrm>
-          <a:prstGeom prst="rect">
-            <a:avLst/>
-          </a:prstGeom>
-          <a:noFill/>
-        </p:spPr>
-        <p:txBody>
-          <a:bodyPr wrap="none" rtlCol="0">
-            <a:spAutoFit/>
-          </a:bodyPr>
-          <a:lstStyle/>
-          <a:p>
             <a:endParaRPr lang="de-DE" dirty="0"/>
           </a:p>
         </p:txBody>
@@ -11819,21 +12455,13 @@
     </p:spTree>
     <p:extLst>
       <p:ext uri="{BB962C8B-B14F-4D97-AF65-F5344CB8AC3E}">
-        <p14:creationId xmlns:p14="http://schemas.microsoft.com/office/powerpoint/2010/main" val="605048520"/>
+        <p14:creationId xmlns:p14="http://schemas.microsoft.com/office/powerpoint/2010/main" val="2756309072"/>
       </p:ext>
     </p:extLst>
   </p:cSld>
   <p:clrMapOvr>
     <a:masterClrMapping/>
   </p:clrMapOvr>
-  <mc:AlternateContent xmlns:mc="http://schemas.openxmlformats.org/markup-compatibility/2006" xmlns:p14="http://schemas.microsoft.com/office/powerpoint/2010/main">
-    <mc:Choice Requires="p14">
-      <p:transition spd="slow" p14:dur="2000"/>
-    </mc:Choice>
-    <mc:Fallback xmlns="">
-      <p:transition spd="slow"/>
-    </mc:Fallback>
-  </mc:AlternateContent>
   <p:timing>
     <p:tnLst>
       <p:par>
